--- a/Prezentacija/Razvoj umrežene VR igre.pptx
+++ b/Prezentacija/Razvoj umrežene VR igre.pptx
@@ -111,6 +111,11 @@
       </a:defRPr>
     </a:lvl9pPr>
   </p:defaultTextStyle>
+  <p:extLst>
+    <p:ext uri="{EFAFB233-063F-42B5-8137-9DF3F51BA10A}">
+      <p15:sldGuideLst xmlns:p15="http://schemas.microsoft.com/office/powerpoint/2012/main"/>
+    </p:ext>
+  </p:extLst>
 </p:presentation>
 </file>
 
@@ -3349,8 +3354,38 @@
         </p:blipFill>
         <p:spPr>
           <a:xfrm>
-            <a:off x="308690" y="3386607"/>
+            <a:off x="167021" y="3541155"/>
             <a:ext cx="6191250" cy="3124200"/>
+          </a:xfrm>
+          <a:prstGeom prst="rect">
+            <a:avLst/>
+          </a:prstGeom>
+        </p:spPr>
+      </p:pic>
+      <p:pic>
+        <p:nvPicPr>
+          <p:cNvPr id="5" name="Picture 4"/>
+          <p:cNvPicPr>
+            <a:picLocks noChangeAspect="1"/>
+          </p:cNvPicPr>
+          <p:nvPr/>
+        </p:nvPicPr>
+        <p:blipFill>
+          <a:blip r:embed="rId3">
+            <a:extLst>
+              <a:ext uri="{28A0092B-C50C-407E-A947-70E740481C1C}">
+                <a14:useLocalDpi xmlns:a14="http://schemas.microsoft.com/office/drawing/2010/main" val="0"/>
+              </a:ext>
+            </a:extLst>
+          </a:blip>
+          <a:stretch>
+            <a:fillRect/>
+          </a:stretch>
+        </p:blipFill>
+        <p:spPr>
+          <a:xfrm rot="315982">
+            <a:off x="6479103" y="634041"/>
+            <a:ext cx="5469996" cy="5544355"/>
           </a:xfrm>
           <a:prstGeom prst="rect">
             <a:avLst/>
